--- a/presentation/CDC2022-Presentation.pptx
+++ b/presentation/CDC2022-Presentation.pptx
@@ -139,27 +139,6 @@
 <p188:authorLst xmlns:a="http://schemas.openxmlformats.org/drawingml/2006/main" xmlns:r="http://schemas.openxmlformats.org/officeDocument/2006/relationships" xmlns:p188="http://schemas.microsoft.com/office/powerpoint/2018/8/main">
   <p188:author id="{0C29C9B4-0C47-753C-100C-BCCE18D2303D}" name="Richard Hall" initials="RH" userId="S::rah75@duke.edu::0c81249d-3d6b-4101-bed8-5d8054f5b5f4" providerId="AD"/>
 </p188:authorLst>
-</file>
-
-<file path=ppt/comments/modernComment_139_4D376DDF.xml><?xml version="1.0" encoding="utf-8"?>
-<p188:cmLst xmlns:a="http://schemas.openxmlformats.org/drawingml/2006/main" xmlns:r="http://schemas.openxmlformats.org/officeDocument/2006/relationships" xmlns:p188="http://schemas.microsoft.com/office/powerpoint/2018/8/main">
-  <p188:cm id="{D90A20B8-C164-9341-9A59-E3D5543F6984}" authorId="{0C29C9B4-0C47-753C-100C-BCCE18D2303D}" created="2022-11-19T13:12:31.245">
-    <pc:sldMkLst xmlns:pc="http://schemas.microsoft.com/office/powerpoint/2013/main/command">
-      <pc:docMk/>
-      <pc:sldMk cId="1295478239" sldId="313"/>
-    </pc:sldMkLst>
-    <p188:txBody>
-      <a:bodyPr/>
-      <a:lstStyle/>
-      <a:p>
-        <a:r>
-          <a:rPr lang="en-US"/>
-          <a:t>Switch to centralized notation</a:t>
-        </a:r>
-      </a:p>
-    </p188:txBody>
-  </p188:cm>
-</p188:cmLst>
 </file>
 
 <file path=ppt/notesMasters/notesMaster1.xml><?xml version="1.0" encoding="utf-8"?>
@@ -7763,11 +7742,6 @@
       </p:par>
     </p:tnLst>
   </p:timing>
-  <p:extLst>
-    <p:ext uri="{6950BFC3-D8DA-4A85-94F7-54DA5524770B}">
-      <p188:commentRel xmlns:p188="http://schemas.microsoft.com/office/powerpoint/2018/8/main" r:id="rId4"/>
-    </p:ext>
-  </p:extLst>
 </p:sld>
 </file>
 
